--- a/doc/tex/sdf/qpsk_transmitter/figures/qpsk_transmitter.pptx
+++ b/doc/tex/sdf/qpsk_transmitter/figures/qpsk_transmitter.pptx
@@ -263,7 +263,7 @@
           <a:p>
             <a:fld id="{E6540EF0-5A87-49A6-B462-3DE9320A8287}" type="datetimeFigureOut">
               <a:rPr lang="en-US" smtClean="0"/>
-              <a:t>7/7/2017</a:t>
+              <a:t>7/8/2018</a:t>
             </a:fld>
             <a:endParaRPr lang="en-US"/>
           </a:p>
@@ -317,7 +317,7 @@
           <a:p>
             <a:fld id="{E3DE9751-9839-473E-92E8-33EE0935DED9}" type="slidenum">
               <a:rPr lang="en-US" smtClean="0"/>
-              <a:t>‹#›</a:t>
+              <a:t>‹nº›</a:t>
             </a:fld>
             <a:endParaRPr lang="en-US"/>
           </a:p>
@@ -461,7 +461,7 @@
           <a:p>
             <a:fld id="{E6540EF0-5A87-49A6-B462-3DE9320A8287}" type="datetimeFigureOut">
               <a:rPr lang="en-US" smtClean="0"/>
-              <a:t>7/7/2017</a:t>
+              <a:t>7/8/2018</a:t>
             </a:fld>
             <a:endParaRPr lang="en-US"/>
           </a:p>
@@ -515,7 +515,7 @@
           <a:p>
             <a:fld id="{E3DE9751-9839-473E-92E8-33EE0935DED9}" type="slidenum">
               <a:rPr lang="en-US" smtClean="0"/>
-              <a:t>‹#›</a:t>
+              <a:t>‹nº›</a:t>
             </a:fld>
             <a:endParaRPr lang="en-US"/>
           </a:p>
@@ -669,7 +669,7 @@
           <a:p>
             <a:fld id="{E6540EF0-5A87-49A6-B462-3DE9320A8287}" type="datetimeFigureOut">
               <a:rPr lang="en-US" smtClean="0"/>
-              <a:t>7/7/2017</a:t>
+              <a:t>7/8/2018</a:t>
             </a:fld>
             <a:endParaRPr lang="en-US"/>
           </a:p>
@@ -723,7 +723,7 @@
           <a:p>
             <a:fld id="{E3DE9751-9839-473E-92E8-33EE0935DED9}" type="slidenum">
               <a:rPr lang="en-US" smtClean="0"/>
-              <a:t>‹#›</a:t>
+              <a:t>‹nº›</a:t>
             </a:fld>
             <a:endParaRPr lang="en-US"/>
           </a:p>
@@ -867,7 +867,7 @@
           <a:p>
             <a:fld id="{E6540EF0-5A87-49A6-B462-3DE9320A8287}" type="datetimeFigureOut">
               <a:rPr lang="en-US" smtClean="0"/>
-              <a:t>7/7/2017</a:t>
+              <a:t>7/8/2018</a:t>
             </a:fld>
             <a:endParaRPr lang="en-US"/>
           </a:p>
@@ -921,7 +921,7 @@
           <a:p>
             <a:fld id="{E3DE9751-9839-473E-92E8-33EE0935DED9}" type="slidenum">
               <a:rPr lang="en-US" smtClean="0"/>
-              <a:t>‹#›</a:t>
+              <a:t>‹nº›</a:t>
             </a:fld>
             <a:endParaRPr lang="en-US"/>
           </a:p>
@@ -1142,7 +1142,7 @@
           <a:p>
             <a:fld id="{E6540EF0-5A87-49A6-B462-3DE9320A8287}" type="datetimeFigureOut">
               <a:rPr lang="en-US" smtClean="0"/>
-              <a:t>7/7/2017</a:t>
+              <a:t>7/8/2018</a:t>
             </a:fld>
             <a:endParaRPr lang="en-US"/>
           </a:p>
@@ -1196,7 +1196,7 @@
           <a:p>
             <a:fld id="{E3DE9751-9839-473E-92E8-33EE0935DED9}" type="slidenum">
               <a:rPr lang="en-US" smtClean="0"/>
-              <a:t>‹#›</a:t>
+              <a:t>‹nº›</a:t>
             </a:fld>
             <a:endParaRPr lang="en-US"/>
           </a:p>
@@ -1407,7 +1407,7 @@
           <a:p>
             <a:fld id="{E6540EF0-5A87-49A6-B462-3DE9320A8287}" type="datetimeFigureOut">
               <a:rPr lang="en-US" smtClean="0"/>
-              <a:t>7/7/2017</a:t>
+              <a:t>7/8/2018</a:t>
             </a:fld>
             <a:endParaRPr lang="en-US"/>
           </a:p>
@@ -1461,7 +1461,7 @@
           <a:p>
             <a:fld id="{E3DE9751-9839-473E-92E8-33EE0935DED9}" type="slidenum">
               <a:rPr lang="en-US" smtClean="0"/>
-              <a:t>‹#›</a:t>
+              <a:t>‹nº›</a:t>
             </a:fld>
             <a:endParaRPr lang="en-US"/>
           </a:p>
@@ -1819,7 +1819,7 @@
           <a:p>
             <a:fld id="{E6540EF0-5A87-49A6-B462-3DE9320A8287}" type="datetimeFigureOut">
               <a:rPr lang="en-US" smtClean="0"/>
-              <a:t>7/7/2017</a:t>
+              <a:t>7/8/2018</a:t>
             </a:fld>
             <a:endParaRPr lang="en-US"/>
           </a:p>
@@ -1873,7 +1873,7 @@
           <a:p>
             <a:fld id="{E3DE9751-9839-473E-92E8-33EE0935DED9}" type="slidenum">
               <a:rPr lang="en-US" smtClean="0"/>
-              <a:t>‹#›</a:t>
+              <a:t>‹nº›</a:t>
             </a:fld>
             <a:endParaRPr lang="en-US"/>
           </a:p>
@@ -1960,7 +1960,7 @@
           <a:p>
             <a:fld id="{E6540EF0-5A87-49A6-B462-3DE9320A8287}" type="datetimeFigureOut">
               <a:rPr lang="en-US" smtClean="0"/>
-              <a:t>7/7/2017</a:t>
+              <a:t>7/8/2018</a:t>
             </a:fld>
             <a:endParaRPr lang="en-US"/>
           </a:p>
@@ -2014,7 +2014,7 @@
           <a:p>
             <a:fld id="{E3DE9751-9839-473E-92E8-33EE0935DED9}" type="slidenum">
               <a:rPr lang="en-US" smtClean="0"/>
-              <a:t>‹#›</a:t>
+              <a:t>‹nº›</a:t>
             </a:fld>
             <a:endParaRPr lang="en-US"/>
           </a:p>
@@ -2073,7 +2073,7 @@
           <a:p>
             <a:fld id="{E6540EF0-5A87-49A6-B462-3DE9320A8287}" type="datetimeFigureOut">
               <a:rPr lang="en-US" smtClean="0"/>
-              <a:t>7/7/2017</a:t>
+              <a:t>7/8/2018</a:t>
             </a:fld>
             <a:endParaRPr lang="en-US"/>
           </a:p>
@@ -2127,7 +2127,7 @@
           <a:p>
             <a:fld id="{E3DE9751-9839-473E-92E8-33EE0935DED9}" type="slidenum">
               <a:rPr lang="en-US" smtClean="0"/>
-              <a:t>‹#›</a:t>
+              <a:t>‹nº›</a:t>
             </a:fld>
             <a:endParaRPr lang="en-US"/>
           </a:p>
@@ -2384,7 +2384,7 @@
           <a:p>
             <a:fld id="{E6540EF0-5A87-49A6-B462-3DE9320A8287}" type="datetimeFigureOut">
               <a:rPr lang="en-US" smtClean="0"/>
-              <a:t>7/7/2017</a:t>
+              <a:t>7/8/2018</a:t>
             </a:fld>
             <a:endParaRPr lang="en-US"/>
           </a:p>
@@ -2438,7 +2438,7 @@
           <a:p>
             <a:fld id="{E3DE9751-9839-473E-92E8-33EE0935DED9}" type="slidenum">
               <a:rPr lang="en-US" smtClean="0"/>
-              <a:t>‹#›</a:t>
+              <a:t>‹nº›</a:t>
             </a:fld>
             <a:endParaRPr lang="en-US"/>
           </a:p>
@@ -2672,7 +2672,7 @@
           <a:p>
             <a:fld id="{E6540EF0-5A87-49A6-B462-3DE9320A8287}" type="datetimeFigureOut">
               <a:rPr lang="en-US" smtClean="0"/>
-              <a:t>7/7/2017</a:t>
+              <a:t>7/8/2018</a:t>
             </a:fld>
             <a:endParaRPr lang="en-US"/>
           </a:p>
@@ -2726,7 +2726,7 @@
           <a:p>
             <a:fld id="{E3DE9751-9839-473E-92E8-33EE0935DED9}" type="slidenum">
               <a:rPr lang="en-US" smtClean="0"/>
-              <a:t>‹#›</a:t>
+              <a:t>‹nº›</a:t>
             </a:fld>
             <a:endParaRPr lang="en-US"/>
           </a:p>
@@ -2913,7 +2913,7 @@
           <a:p>
             <a:fld id="{E6540EF0-5A87-49A6-B462-3DE9320A8287}" type="datetimeFigureOut">
               <a:rPr lang="en-US" smtClean="0"/>
-              <a:t>7/7/2017</a:t>
+              <a:t>7/8/2018</a:t>
             </a:fld>
             <a:endParaRPr lang="en-US"/>
           </a:p>
@@ -3003,7 +3003,7 @@
           <a:p>
             <a:fld id="{E3DE9751-9839-473E-92E8-33EE0935DED9}" type="slidenum">
               <a:rPr lang="en-US" smtClean="0"/>
-              <a:t>‹#›</a:t>
+              <a:t>‹nº›</a:t>
             </a:fld>
             <a:endParaRPr lang="en-US"/>
           </a:p>
@@ -3330,1021 +3330,20 @@
           <a:chExt cx="0" cy="0"/>
         </a:xfrm>
       </p:grpSpPr>
-      <p:grpSp>
-        <p:nvGrpSpPr>
-          <p:cNvPr id="12" name="Group 11">
-            <a:extLst>
-              <a:ext uri="{FF2B5EF4-FFF2-40B4-BE49-F238E27FC236}">
-                <a16:creationId xmlns:a16="http://schemas.microsoft.com/office/drawing/2014/main" id="{B493A8DE-BB1D-412F-9A10-39899A8813C7}"/>
-              </a:ext>
-            </a:extLst>
-          </p:cNvPr>
-          <p:cNvGrpSpPr/>
-          <p:nvPr/>
-        </p:nvGrpSpPr>
-        <p:grpSpPr>
-          <a:xfrm>
-            <a:off x="167172" y="2307099"/>
-            <a:ext cx="1519311" cy="787791"/>
-            <a:chOff x="281354" y="2307101"/>
-            <a:chExt cx="1519311" cy="787791"/>
-          </a:xfrm>
-        </p:grpSpPr>
-        <p:sp>
-          <p:nvSpPr>
-            <p:cNvPr id="10" name="Rectangle 9">
-              <a:extLst>
-                <a:ext uri="{FF2B5EF4-FFF2-40B4-BE49-F238E27FC236}">
-                  <a16:creationId xmlns:a16="http://schemas.microsoft.com/office/drawing/2014/main" id="{C27631F7-7060-4E81-BB30-940F1FD253BE}"/>
-                </a:ext>
-              </a:extLst>
-            </p:cNvPr>
-            <p:cNvSpPr/>
-            <p:nvPr/>
-          </p:nvSpPr>
-          <p:spPr>
-            <a:xfrm>
-              <a:off x="281354" y="2307101"/>
-              <a:ext cx="1519311" cy="787791"/>
-            </a:xfrm>
-            <a:prstGeom prst="rect">
-              <a:avLst/>
-            </a:prstGeom>
-            <a:noFill/>
-            <a:ln w="22225">
-              <a:solidFill>
-                <a:schemeClr val="tx1"/>
-              </a:solidFill>
-            </a:ln>
-          </p:spPr>
-          <p:style>
-            <a:lnRef idx="2">
-              <a:schemeClr val="accent1">
-                <a:shade val="50000"/>
-              </a:schemeClr>
-            </a:lnRef>
-            <a:fillRef idx="1">
-              <a:schemeClr val="accent1"/>
-            </a:fillRef>
-            <a:effectRef idx="0">
-              <a:schemeClr val="accent1"/>
-            </a:effectRef>
-            <a:fontRef idx="minor">
-              <a:schemeClr val="lt1"/>
-            </a:fontRef>
-          </p:style>
-          <p:txBody>
-            <a:bodyPr rtlCol="0" anchor="ctr"/>
-            <a:lstStyle/>
-            <a:p>
-              <a:pPr algn="ctr"/>
-              <a:endParaRPr lang="en-US" dirty="0"/>
-            </a:p>
-          </p:txBody>
-        </p:sp>
-        <p:sp>
-          <p:nvSpPr>
-            <p:cNvPr id="11" name="TextBox 10">
-              <a:extLst>
-                <a:ext uri="{FF2B5EF4-FFF2-40B4-BE49-F238E27FC236}">
-                  <a16:creationId xmlns:a16="http://schemas.microsoft.com/office/drawing/2014/main" id="{A1CC1226-BD11-4683-BD04-F4AE8E8EA525}"/>
-                </a:ext>
-              </a:extLst>
-            </p:cNvPr>
-            <p:cNvSpPr txBox="1"/>
-            <p:nvPr/>
-          </p:nvSpPr>
-          <p:spPr>
-            <a:xfrm>
-              <a:off x="457200" y="2377830"/>
-              <a:ext cx="1167618" cy="646331"/>
-            </a:xfrm>
-            <a:prstGeom prst="rect">
-              <a:avLst/>
-            </a:prstGeom>
-            <a:noFill/>
-          </p:spPr>
-          <p:txBody>
-            <a:bodyPr wrap="square" rtlCol="0">
-              <a:spAutoFit/>
-            </a:bodyPr>
-            <a:lstStyle/>
-            <a:p>
-              <a:pPr algn="ctr"/>
-              <a:r>
-                <a:rPr lang="en-US" dirty="0"/>
-                <a:t>Binary Sequence</a:t>
-              </a:r>
-            </a:p>
-          </p:txBody>
-        </p:sp>
-      </p:grpSp>
-      <p:grpSp>
-        <p:nvGrpSpPr>
-          <p:cNvPr id="13" name="Group 12">
-            <a:extLst>
-              <a:ext uri="{FF2B5EF4-FFF2-40B4-BE49-F238E27FC236}">
-                <a16:creationId xmlns:a16="http://schemas.microsoft.com/office/drawing/2014/main" id="{71F7E077-6B67-4EAC-96EB-0A63BA083AC7}"/>
-              </a:ext>
-            </a:extLst>
-          </p:cNvPr>
-          <p:cNvGrpSpPr/>
-          <p:nvPr/>
-        </p:nvGrpSpPr>
-        <p:grpSpPr>
-          <a:xfrm>
-            <a:off x="167171" y="3464221"/>
-            <a:ext cx="1519311" cy="787791"/>
-            <a:chOff x="281354" y="2307101"/>
-            <a:chExt cx="1519311" cy="787791"/>
-          </a:xfrm>
-        </p:grpSpPr>
-        <p:sp>
-          <p:nvSpPr>
-            <p:cNvPr id="14" name="Rectangle 13">
-              <a:extLst>
-                <a:ext uri="{FF2B5EF4-FFF2-40B4-BE49-F238E27FC236}">
-                  <a16:creationId xmlns:a16="http://schemas.microsoft.com/office/drawing/2014/main" id="{B9E0E10C-E5DC-4F88-85AE-E01516E21734}"/>
-                </a:ext>
-              </a:extLst>
-            </p:cNvPr>
-            <p:cNvSpPr/>
-            <p:nvPr/>
-          </p:nvSpPr>
-          <p:spPr>
-            <a:xfrm>
-              <a:off x="281354" y="2307101"/>
-              <a:ext cx="1519311" cy="787791"/>
-            </a:xfrm>
-            <a:prstGeom prst="rect">
-              <a:avLst/>
-            </a:prstGeom>
-            <a:noFill/>
-            <a:ln w="22225">
-              <a:solidFill>
-                <a:schemeClr val="tx1"/>
-              </a:solidFill>
-            </a:ln>
-          </p:spPr>
-          <p:style>
-            <a:lnRef idx="2">
-              <a:schemeClr val="accent1">
-                <a:shade val="50000"/>
-              </a:schemeClr>
-            </a:lnRef>
-            <a:fillRef idx="1">
-              <a:schemeClr val="accent1"/>
-            </a:fillRef>
-            <a:effectRef idx="0">
-              <a:schemeClr val="accent1"/>
-            </a:effectRef>
-            <a:fontRef idx="minor">
-              <a:schemeClr val="lt1"/>
-            </a:fontRef>
-          </p:style>
-          <p:txBody>
-            <a:bodyPr rtlCol="0" anchor="ctr"/>
-            <a:lstStyle/>
-            <a:p>
-              <a:pPr algn="ctr"/>
-              <a:endParaRPr lang="en-US" dirty="0"/>
-            </a:p>
-          </p:txBody>
-        </p:sp>
-        <p:sp>
-          <p:nvSpPr>
-            <p:cNvPr id="15" name="TextBox 14">
-              <a:extLst>
-                <a:ext uri="{FF2B5EF4-FFF2-40B4-BE49-F238E27FC236}">
-                  <a16:creationId xmlns:a16="http://schemas.microsoft.com/office/drawing/2014/main" id="{161AB891-1A8A-46AB-8B66-527F5F79E84C}"/>
-                </a:ext>
-              </a:extLst>
-            </p:cNvPr>
-            <p:cNvSpPr txBox="1"/>
-            <p:nvPr/>
-          </p:nvSpPr>
-          <p:spPr>
-            <a:xfrm>
-              <a:off x="457200" y="2516330"/>
-              <a:ext cx="1167618" cy="369332"/>
-            </a:xfrm>
-            <a:prstGeom prst="rect">
-              <a:avLst/>
-            </a:prstGeom>
-            <a:noFill/>
-          </p:spPr>
-          <p:txBody>
-            <a:bodyPr wrap="square" rtlCol="0">
-              <a:spAutoFit/>
-            </a:bodyPr>
-            <a:lstStyle/>
-            <a:p>
-              <a:pPr algn="ctr"/>
-              <a:r>
-                <a:rPr lang="en-US" dirty="0"/>
-                <a:t>Sink</a:t>
-              </a:r>
-            </a:p>
-          </p:txBody>
-        </p:sp>
-      </p:grpSp>
-      <p:grpSp>
-        <p:nvGrpSpPr>
-          <p:cNvPr id="16" name="Group 15">
-            <a:extLst>
-              <a:ext uri="{FF2B5EF4-FFF2-40B4-BE49-F238E27FC236}">
-                <a16:creationId xmlns:a16="http://schemas.microsoft.com/office/drawing/2014/main" id="{A78B980E-E5B8-4504-8173-9CD42351DAFB}"/>
-              </a:ext>
-            </a:extLst>
-          </p:cNvPr>
-          <p:cNvGrpSpPr/>
-          <p:nvPr/>
-        </p:nvGrpSpPr>
-        <p:grpSpPr>
-          <a:xfrm>
-            <a:off x="2238639" y="2307099"/>
-            <a:ext cx="1519311" cy="787791"/>
-            <a:chOff x="281354" y="2307101"/>
-            <a:chExt cx="1519311" cy="787791"/>
-          </a:xfrm>
-        </p:grpSpPr>
-        <p:sp>
-          <p:nvSpPr>
-            <p:cNvPr id="17" name="Rectangle 16">
-              <a:extLst>
-                <a:ext uri="{FF2B5EF4-FFF2-40B4-BE49-F238E27FC236}">
-                  <a16:creationId xmlns:a16="http://schemas.microsoft.com/office/drawing/2014/main" id="{78F90217-9F49-4301-B86C-77BF5ABFD931}"/>
-                </a:ext>
-              </a:extLst>
-            </p:cNvPr>
-            <p:cNvSpPr/>
-            <p:nvPr/>
-          </p:nvSpPr>
-          <p:spPr>
-            <a:xfrm>
-              <a:off x="281354" y="2307101"/>
-              <a:ext cx="1519311" cy="787791"/>
-            </a:xfrm>
-            <a:prstGeom prst="rect">
-              <a:avLst/>
-            </a:prstGeom>
-            <a:noFill/>
-            <a:ln w="22225">
-              <a:solidFill>
-                <a:schemeClr val="tx1"/>
-              </a:solidFill>
-            </a:ln>
-          </p:spPr>
-          <p:style>
-            <a:lnRef idx="2">
-              <a:schemeClr val="accent1">
-                <a:shade val="50000"/>
-              </a:schemeClr>
-            </a:lnRef>
-            <a:fillRef idx="1">
-              <a:schemeClr val="accent1"/>
-            </a:fillRef>
-            <a:effectRef idx="0">
-              <a:schemeClr val="accent1"/>
-            </a:effectRef>
-            <a:fontRef idx="minor">
-              <a:schemeClr val="lt1"/>
-            </a:fontRef>
-          </p:style>
-          <p:txBody>
-            <a:bodyPr rtlCol="0" anchor="ctr"/>
-            <a:lstStyle/>
-            <a:p>
-              <a:pPr algn="ctr"/>
-              <a:endParaRPr lang="en-US" dirty="0"/>
-            </a:p>
-          </p:txBody>
-        </p:sp>
-        <p:sp>
-          <p:nvSpPr>
-            <p:cNvPr id="18" name="TextBox 17">
-              <a:extLst>
-                <a:ext uri="{FF2B5EF4-FFF2-40B4-BE49-F238E27FC236}">
-                  <a16:creationId xmlns:a16="http://schemas.microsoft.com/office/drawing/2014/main" id="{4C471AAA-DEFB-4581-940E-958EAEE7D536}"/>
-                </a:ext>
-              </a:extLst>
-            </p:cNvPr>
-            <p:cNvSpPr txBox="1"/>
-            <p:nvPr/>
-          </p:nvSpPr>
-          <p:spPr>
-            <a:xfrm>
-              <a:off x="457200" y="2516330"/>
-              <a:ext cx="1167618" cy="369332"/>
-            </a:xfrm>
-            <a:prstGeom prst="rect">
-              <a:avLst/>
-            </a:prstGeom>
-            <a:noFill/>
-          </p:spPr>
-          <p:txBody>
-            <a:bodyPr wrap="square" rtlCol="0">
-              <a:spAutoFit/>
-            </a:bodyPr>
-            <a:lstStyle/>
-            <a:p>
-              <a:pPr algn="ctr"/>
-              <a:r>
-                <a:rPr lang="en-US" dirty="0"/>
-                <a:t>Mapper</a:t>
-              </a:r>
-            </a:p>
-          </p:txBody>
-        </p:sp>
-      </p:grpSp>
-      <p:grpSp>
-        <p:nvGrpSpPr>
-          <p:cNvPr id="19" name="Group 18">
-            <a:extLst>
-              <a:ext uri="{FF2B5EF4-FFF2-40B4-BE49-F238E27FC236}">
-                <a16:creationId xmlns:a16="http://schemas.microsoft.com/office/drawing/2014/main" id="{A78B980E-E5B8-4504-8173-9CD42351DAFB}"/>
-              </a:ext>
-            </a:extLst>
-          </p:cNvPr>
-          <p:cNvGrpSpPr/>
-          <p:nvPr/>
-        </p:nvGrpSpPr>
-        <p:grpSpPr>
-          <a:xfrm>
-            <a:off x="4289474" y="1721745"/>
-            <a:ext cx="1538771" cy="820595"/>
-            <a:chOff x="261894" y="2300309"/>
-            <a:chExt cx="1538771" cy="820595"/>
-          </a:xfrm>
-        </p:grpSpPr>
-        <p:sp>
-          <p:nvSpPr>
-            <p:cNvPr id="20" name="Rectangle 19">
-              <a:extLst>
-                <a:ext uri="{FF2B5EF4-FFF2-40B4-BE49-F238E27FC236}">
-                  <a16:creationId xmlns:a16="http://schemas.microsoft.com/office/drawing/2014/main" id="{78F90217-9F49-4301-B86C-77BF5ABFD931}"/>
-                </a:ext>
-              </a:extLst>
-            </p:cNvPr>
-            <p:cNvSpPr/>
-            <p:nvPr/>
-          </p:nvSpPr>
-          <p:spPr>
-            <a:xfrm>
-              <a:off x="281354" y="2307101"/>
-              <a:ext cx="1519311" cy="787791"/>
-            </a:xfrm>
-            <a:prstGeom prst="rect">
-              <a:avLst/>
-            </a:prstGeom>
-            <a:noFill/>
-            <a:ln w="22225">
-              <a:solidFill>
-                <a:schemeClr val="tx1"/>
-              </a:solidFill>
-            </a:ln>
-          </p:spPr>
-          <p:style>
-            <a:lnRef idx="2">
-              <a:schemeClr val="accent1">
-                <a:shade val="50000"/>
-              </a:schemeClr>
-            </a:lnRef>
-            <a:fillRef idx="1">
-              <a:schemeClr val="accent1"/>
-            </a:fillRef>
-            <a:effectRef idx="0">
-              <a:schemeClr val="accent1"/>
-            </a:effectRef>
-            <a:fontRef idx="minor">
-              <a:schemeClr val="lt1"/>
-            </a:fontRef>
-          </p:style>
-          <p:txBody>
-            <a:bodyPr rtlCol="0" anchor="ctr"/>
-            <a:lstStyle/>
-            <a:p>
-              <a:pPr algn="ctr"/>
-              <a:endParaRPr lang="en-US" dirty="0"/>
-            </a:p>
-          </p:txBody>
-        </p:sp>
-        <p:sp>
-          <p:nvSpPr>
-            <p:cNvPr id="21" name="TextBox 20">
-              <a:extLst>
-                <a:ext uri="{FF2B5EF4-FFF2-40B4-BE49-F238E27FC236}">
-                  <a16:creationId xmlns:a16="http://schemas.microsoft.com/office/drawing/2014/main" id="{4C471AAA-DEFB-4581-940E-958EAEE7D536}"/>
-                </a:ext>
-              </a:extLst>
-            </p:cNvPr>
-            <p:cNvSpPr txBox="1"/>
-            <p:nvPr/>
-          </p:nvSpPr>
-          <p:spPr>
-            <a:xfrm>
-              <a:off x="261894" y="2300309"/>
-              <a:ext cx="1532089" cy="820595"/>
-            </a:xfrm>
-            <a:prstGeom prst="rect">
-              <a:avLst/>
-            </a:prstGeom>
-            <a:noFill/>
-          </p:spPr>
-          <p:txBody>
-            <a:bodyPr wrap="square" rtlCol="0">
-              <a:normAutofit fontScale="92500" lnSpcReduction="10000"/>
-            </a:bodyPr>
-            <a:lstStyle/>
-            <a:p>
-              <a:pPr algn="ctr"/>
-              <a:r>
-                <a:rPr lang="en-US" dirty="0" smtClean="0"/>
-                <a:t>Discrete </a:t>
-              </a:r>
-              <a:r>
-                <a:rPr lang="en-US" dirty="0" smtClean="0"/>
-                <a:t>to </a:t>
-              </a:r>
-              <a:r>
-                <a:rPr lang="en-US" dirty="0" smtClean="0"/>
-                <a:t>Continuous Time</a:t>
-              </a:r>
-              <a:endParaRPr lang="en-US" dirty="0"/>
-            </a:p>
-          </p:txBody>
-        </p:sp>
-      </p:grpSp>
-      <p:grpSp>
-        <p:nvGrpSpPr>
-          <p:cNvPr id="22" name="Group 21">
-            <a:extLst>
-              <a:ext uri="{FF2B5EF4-FFF2-40B4-BE49-F238E27FC236}">
-                <a16:creationId xmlns:a16="http://schemas.microsoft.com/office/drawing/2014/main" id="{A78B980E-E5B8-4504-8173-9CD42351DAFB}"/>
-              </a:ext>
-            </a:extLst>
-          </p:cNvPr>
-          <p:cNvGrpSpPr/>
-          <p:nvPr/>
-        </p:nvGrpSpPr>
-        <p:grpSpPr>
-          <a:xfrm>
-            <a:off x="4308934" y="2885660"/>
-            <a:ext cx="1519311" cy="787791"/>
-            <a:chOff x="281354" y="2307101"/>
-            <a:chExt cx="1519311" cy="787791"/>
-          </a:xfrm>
-        </p:grpSpPr>
-        <p:sp>
-          <p:nvSpPr>
-            <p:cNvPr id="23" name="Rectangle 22">
-              <a:extLst>
-                <a:ext uri="{FF2B5EF4-FFF2-40B4-BE49-F238E27FC236}">
-                  <a16:creationId xmlns:a16="http://schemas.microsoft.com/office/drawing/2014/main" id="{78F90217-9F49-4301-B86C-77BF5ABFD931}"/>
-                </a:ext>
-              </a:extLst>
-            </p:cNvPr>
-            <p:cNvSpPr/>
-            <p:nvPr/>
-          </p:nvSpPr>
-          <p:spPr>
-            <a:xfrm>
-              <a:off x="281354" y="2307101"/>
-              <a:ext cx="1519311" cy="787791"/>
-            </a:xfrm>
-            <a:prstGeom prst="rect">
-              <a:avLst/>
-            </a:prstGeom>
-            <a:noFill/>
-            <a:ln w="22225">
-              <a:solidFill>
-                <a:schemeClr val="tx1"/>
-              </a:solidFill>
-            </a:ln>
-          </p:spPr>
-          <p:style>
-            <a:lnRef idx="2">
-              <a:schemeClr val="accent1">
-                <a:shade val="50000"/>
-              </a:schemeClr>
-            </a:lnRef>
-            <a:fillRef idx="1">
-              <a:schemeClr val="accent1"/>
-            </a:fillRef>
-            <a:effectRef idx="0">
-              <a:schemeClr val="accent1"/>
-            </a:effectRef>
-            <a:fontRef idx="minor">
-              <a:schemeClr val="lt1"/>
-            </a:fontRef>
-          </p:style>
-          <p:txBody>
-            <a:bodyPr rtlCol="0" anchor="ctr"/>
-            <a:lstStyle/>
-            <a:p>
-              <a:pPr algn="ctr"/>
-              <a:endParaRPr lang="en-US" dirty="0"/>
-            </a:p>
-          </p:txBody>
-        </p:sp>
-        <p:sp>
-          <p:nvSpPr>
-            <p:cNvPr id="24" name="TextBox 23">
-              <a:extLst>
-                <a:ext uri="{FF2B5EF4-FFF2-40B4-BE49-F238E27FC236}">
-                  <a16:creationId xmlns:a16="http://schemas.microsoft.com/office/drawing/2014/main" id="{4C471AAA-DEFB-4581-940E-958EAEE7D536}"/>
-                </a:ext>
-              </a:extLst>
-            </p:cNvPr>
-            <p:cNvSpPr txBox="1"/>
-            <p:nvPr/>
-          </p:nvSpPr>
-          <p:spPr>
-            <a:xfrm>
-              <a:off x="294717" y="2323503"/>
-              <a:ext cx="1492583" cy="771387"/>
-            </a:xfrm>
-            <a:prstGeom prst="rect">
-              <a:avLst/>
-            </a:prstGeom>
-            <a:noFill/>
-          </p:spPr>
-          <p:txBody>
-            <a:bodyPr wrap="square" rtlCol="0">
-              <a:normAutofit fontScale="92500" lnSpcReduction="20000"/>
-            </a:bodyPr>
-            <a:lstStyle/>
-            <a:p>
-              <a:pPr algn="ctr"/>
-              <a:r>
-                <a:rPr lang="en-US" dirty="0"/>
-                <a:t>Discrete </a:t>
-              </a:r>
-              <a:r>
-                <a:rPr lang="en-US" dirty="0" smtClean="0"/>
-                <a:t>to </a:t>
-              </a:r>
-              <a:r>
-                <a:rPr lang="en-US" dirty="0"/>
-                <a:t>Continuous Time</a:t>
-              </a:r>
-            </a:p>
-          </p:txBody>
-        </p:sp>
-      </p:grpSp>
-      <p:grpSp>
-        <p:nvGrpSpPr>
-          <p:cNvPr id="31" name="Group 30">
-            <a:extLst>
-              <a:ext uri="{FF2B5EF4-FFF2-40B4-BE49-F238E27FC236}">
-                <a16:creationId xmlns:a16="http://schemas.microsoft.com/office/drawing/2014/main" id="{A78B980E-E5B8-4504-8173-9CD42351DAFB}"/>
-              </a:ext>
-            </a:extLst>
-          </p:cNvPr>
-          <p:cNvGrpSpPr/>
-          <p:nvPr/>
-        </p:nvGrpSpPr>
-        <p:grpSpPr>
-          <a:xfrm>
-            <a:off x="6381574" y="1728537"/>
-            <a:ext cx="1519311" cy="787791"/>
-            <a:chOff x="281354" y="2307101"/>
-            <a:chExt cx="1519311" cy="787791"/>
-          </a:xfrm>
-        </p:grpSpPr>
-        <p:sp>
-          <p:nvSpPr>
-            <p:cNvPr id="32" name="Rectangle 31">
-              <a:extLst>
-                <a:ext uri="{FF2B5EF4-FFF2-40B4-BE49-F238E27FC236}">
-                  <a16:creationId xmlns:a16="http://schemas.microsoft.com/office/drawing/2014/main" id="{78F90217-9F49-4301-B86C-77BF5ABFD931}"/>
-                </a:ext>
-              </a:extLst>
-            </p:cNvPr>
-            <p:cNvSpPr/>
-            <p:nvPr/>
-          </p:nvSpPr>
-          <p:spPr>
-            <a:xfrm>
-              <a:off x="281354" y="2307101"/>
-              <a:ext cx="1519311" cy="787791"/>
-            </a:xfrm>
-            <a:prstGeom prst="rect">
-              <a:avLst/>
-            </a:prstGeom>
-            <a:noFill/>
-            <a:ln w="22225">
-              <a:solidFill>
-                <a:schemeClr val="tx1"/>
-              </a:solidFill>
-            </a:ln>
-          </p:spPr>
-          <p:style>
-            <a:lnRef idx="2">
-              <a:schemeClr val="accent1">
-                <a:shade val="50000"/>
-              </a:schemeClr>
-            </a:lnRef>
-            <a:fillRef idx="1">
-              <a:schemeClr val="accent1"/>
-            </a:fillRef>
-            <a:effectRef idx="0">
-              <a:schemeClr val="accent1"/>
-            </a:effectRef>
-            <a:fontRef idx="minor">
-              <a:schemeClr val="lt1"/>
-            </a:fontRef>
-          </p:style>
-          <p:txBody>
-            <a:bodyPr rtlCol="0" anchor="ctr"/>
-            <a:lstStyle/>
-            <a:p>
-              <a:pPr algn="ctr"/>
-              <a:endParaRPr lang="en-US" dirty="0"/>
-            </a:p>
-          </p:txBody>
-        </p:sp>
-        <p:sp>
-          <p:nvSpPr>
-            <p:cNvPr id="33" name="TextBox 32">
-              <a:extLst>
-                <a:ext uri="{FF2B5EF4-FFF2-40B4-BE49-F238E27FC236}">
-                  <a16:creationId xmlns:a16="http://schemas.microsoft.com/office/drawing/2014/main" id="{4C471AAA-DEFB-4581-940E-958EAEE7D536}"/>
-                </a:ext>
-              </a:extLst>
-            </p:cNvPr>
-            <p:cNvSpPr txBox="1"/>
-            <p:nvPr/>
-          </p:nvSpPr>
-          <p:spPr>
-            <a:xfrm>
-              <a:off x="457200" y="2516330"/>
-              <a:ext cx="1167618" cy="369332"/>
-            </a:xfrm>
-            <a:prstGeom prst="rect">
-              <a:avLst/>
-            </a:prstGeom>
-            <a:noFill/>
-          </p:spPr>
-          <p:txBody>
-            <a:bodyPr wrap="square" rtlCol="0">
-              <a:spAutoFit/>
-            </a:bodyPr>
-            <a:lstStyle/>
-            <a:p>
-              <a:pPr algn="ctr"/>
-              <a:r>
-                <a:rPr lang="en-US" dirty="0" smtClean="0"/>
-                <a:t>Filter</a:t>
-              </a:r>
-              <a:endParaRPr lang="en-US" dirty="0"/>
-            </a:p>
-          </p:txBody>
-        </p:sp>
-      </p:grpSp>
-      <p:grpSp>
-        <p:nvGrpSpPr>
-          <p:cNvPr id="34" name="Group 33">
-            <a:extLst>
-              <a:ext uri="{FF2B5EF4-FFF2-40B4-BE49-F238E27FC236}">
-                <a16:creationId xmlns:a16="http://schemas.microsoft.com/office/drawing/2014/main" id="{A78B980E-E5B8-4504-8173-9CD42351DAFB}"/>
-              </a:ext>
-            </a:extLst>
-          </p:cNvPr>
-          <p:cNvGrpSpPr/>
-          <p:nvPr/>
-        </p:nvGrpSpPr>
-        <p:grpSpPr>
-          <a:xfrm>
-            <a:off x="6381574" y="2885660"/>
-            <a:ext cx="1519311" cy="787791"/>
-            <a:chOff x="281354" y="2307101"/>
-            <a:chExt cx="1519311" cy="787791"/>
-          </a:xfrm>
-        </p:grpSpPr>
-        <p:sp>
-          <p:nvSpPr>
-            <p:cNvPr id="35" name="Rectangle 34">
-              <a:extLst>
-                <a:ext uri="{FF2B5EF4-FFF2-40B4-BE49-F238E27FC236}">
-                  <a16:creationId xmlns:a16="http://schemas.microsoft.com/office/drawing/2014/main" id="{78F90217-9F49-4301-B86C-77BF5ABFD931}"/>
-                </a:ext>
-              </a:extLst>
-            </p:cNvPr>
-            <p:cNvSpPr/>
-            <p:nvPr/>
-          </p:nvSpPr>
-          <p:spPr>
-            <a:xfrm>
-              <a:off x="281354" y="2307101"/>
-              <a:ext cx="1519311" cy="787791"/>
-            </a:xfrm>
-            <a:prstGeom prst="rect">
-              <a:avLst/>
-            </a:prstGeom>
-            <a:noFill/>
-            <a:ln w="22225">
-              <a:solidFill>
-                <a:schemeClr val="tx1"/>
-              </a:solidFill>
-            </a:ln>
-          </p:spPr>
-          <p:style>
-            <a:lnRef idx="2">
-              <a:schemeClr val="accent1">
-                <a:shade val="50000"/>
-              </a:schemeClr>
-            </a:lnRef>
-            <a:fillRef idx="1">
-              <a:schemeClr val="accent1"/>
-            </a:fillRef>
-            <a:effectRef idx="0">
-              <a:schemeClr val="accent1"/>
-            </a:effectRef>
-            <a:fontRef idx="minor">
-              <a:schemeClr val="lt1"/>
-            </a:fontRef>
-          </p:style>
-          <p:txBody>
-            <a:bodyPr rtlCol="0" anchor="ctr"/>
-            <a:lstStyle/>
-            <a:p>
-              <a:pPr algn="ctr"/>
-              <a:endParaRPr lang="en-US" dirty="0"/>
-            </a:p>
-          </p:txBody>
-        </p:sp>
-        <p:sp>
-          <p:nvSpPr>
-            <p:cNvPr id="36" name="TextBox 35">
-              <a:extLst>
-                <a:ext uri="{FF2B5EF4-FFF2-40B4-BE49-F238E27FC236}">
-                  <a16:creationId xmlns:a16="http://schemas.microsoft.com/office/drawing/2014/main" id="{4C471AAA-DEFB-4581-940E-958EAEE7D536}"/>
-                </a:ext>
-              </a:extLst>
-            </p:cNvPr>
-            <p:cNvSpPr txBox="1"/>
-            <p:nvPr/>
-          </p:nvSpPr>
-          <p:spPr>
-            <a:xfrm>
-              <a:off x="457200" y="2516330"/>
-              <a:ext cx="1167618" cy="369332"/>
-            </a:xfrm>
-            <a:prstGeom prst="rect">
-              <a:avLst/>
-            </a:prstGeom>
-            <a:noFill/>
-          </p:spPr>
-          <p:txBody>
-            <a:bodyPr wrap="square" rtlCol="0">
-              <a:spAutoFit/>
-            </a:bodyPr>
-            <a:lstStyle/>
-            <a:p>
-              <a:pPr algn="ctr"/>
-              <a:r>
-                <a:rPr lang="en-US" dirty="0" smtClean="0"/>
-                <a:t>Filter</a:t>
-              </a:r>
-              <a:endParaRPr lang="en-US" dirty="0"/>
-            </a:p>
-          </p:txBody>
-        </p:sp>
-      </p:grpSp>
-      <p:grpSp>
-        <p:nvGrpSpPr>
-          <p:cNvPr id="37" name="Group 36">
-            <a:extLst>
-              <a:ext uri="{FF2B5EF4-FFF2-40B4-BE49-F238E27FC236}">
-                <a16:creationId xmlns:a16="http://schemas.microsoft.com/office/drawing/2014/main" id="{A78B980E-E5B8-4504-8173-9CD42351DAFB}"/>
-              </a:ext>
-            </a:extLst>
-          </p:cNvPr>
-          <p:cNvGrpSpPr/>
-          <p:nvPr/>
-        </p:nvGrpSpPr>
-        <p:grpSpPr>
-          <a:xfrm>
-            <a:off x="8454214" y="2323501"/>
-            <a:ext cx="1519311" cy="813765"/>
-            <a:chOff x="281354" y="2307101"/>
-            <a:chExt cx="1519311" cy="813765"/>
-          </a:xfrm>
-        </p:grpSpPr>
-        <p:sp>
-          <p:nvSpPr>
-            <p:cNvPr id="38" name="Rectangle 37">
-              <a:extLst>
-                <a:ext uri="{FF2B5EF4-FFF2-40B4-BE49-F238E27FC236}">
-                  <a16:creationId xmlns:a16="http://schemas.microsoft.com/office/drawing/2014/main" id="{78F90217-9F49-4301-B86C-77BF5ABFD931}"/>
-                </a:ext>
-              </a:extLst>
-            </p:cNvPr>
-            <p:cNvSpPr/>
-            <p:nvPr/>
-          </p:nvSpPr>
-          <p:spPr>
-            <a:xfrm>
-              <a:off x="281354" y="2307101"/>
-              <a:ext cx="1519311" cy="787791"/>
-            </a:xfrm>
-            <a:prstGeom prst="rect">
-              <a:avLst/>
-            </a:prstGeom>
-            <a:noFill/>
-            <a:ln w="22225">
-              <a:solidFill>
-                <a:schemeClr val="tx1"/>
-              </a:solidFill>
-            </a:ln>
-          </p:spPr>
-          <p:style>
-            <a:lnRef idx="2">
-              <a:schemeClr val="accent1">
-                <a:shade val="50000"/>
-              </a:schemeClr>
-            </a:lnRef>
-            <a:fillRef idx="1">
-              <a:schemeClr val="accent1"/>
-            </a:fillRef>
-            <a:effectRef idx="0">
-              <a:schemeClr val="accent1"/>
-            </a:effectRef>
-            <a:fontRef idx="minor">
-              <a:schemeClr val="lt1"/>
-            </a:fontRef>
-          </p:style>
-          <p:txBody>
-            <a:bodyPr rtlCol="0" anchor="ctr"/>
-            <a:lstStyle/>
-            <a:p>
-              <a:pPr algn="ctr"/>
-              <a:endParaRPr lang="en-US" dirty="0"/>
-            </a:p>
-          </p:txBody>
-        </p:sp>
-        <p:sp>
-          <p:nvSpPr>
-            <p:cNvPr id="39" name="TextBox 38">
-              <a:extLst>
-                <a:ext uri="{FF2B5EF4-FFF2-40B4-BE49-F238E27FC236}">
-                  <a16:creationId xmlns:a16="http://schemas.microsoft.com/office/drawing/2014/main" id="{4C471AAA-DEFB-4581-940E-958EAEE7D536}"/>
-                </a:ext>
-              </a:extLst>
-            </p:cNvPr>
-            <p:cNvSpPr txBox="1"/>
-            <p:nvPr/>
-          </p:nvSpPr>
-          <p:spPr>
-            <a:xfrm>
-              <a:off x="458372" y="2374042"/>
-              <a:ext cx="1167618" cy="746824"/>
-            </a:xfrm>
-            <a:prstGeom prst="rect">
-              <a:avLst/>
-            </a:prstGeom>
-            <a:noFill/>
-          </p:spPr>
-          <p:txBody>
-            <a:bodyPr wrap="square" rtlCol="0">
-              <a:normAutofit fontScale="92500"/>
-            </a:bodyPr>
-            <a:lstStyle/>
-            <a:p>
-              <a:pPr algn="ctr"/>
-              <a:r>
-                <a:rPr lang="en-US" dirty="0" smtClean="0"/>
-                <a:t>IQ Modulator</a:t>
-              </a:r>
-              <a:endParaRPr lang="en-US" dirty="0"/>
-            </a:p>
-          </p:txBody>
-        </p:sp>
-      </p:grpSp>
-      <p:grpSp>
-        <p:nvGrpSpPr>
-          <p:cNvPr id="40" name="Group 39">
-            <a:extLst>
-              <a:ext uri="{FF2B5EF4-FFF2-40B4-BE49-F238E27FC236}">
-                <a16:creationId xmlns:a16="http://schemas.microsoft.com/office/drawing/2014/main" id="{A78B980E-E5B8-4504-8173-9CD42351DAFB}"/>
-              </a:ext>
-            </a:extLst>
-          </p:cNvPr>
-          <p:cNvGrpSpPr/>
-          <p:nvPr/>
-        </p:nvGrpSpPr>
-        <p:grpSpPr>
-          <a:xfrm>
-            <a:off x="10524509" y="2313101"/>
-            <a:ext cx="1519311" cy="787791"/>
-            <a:chOff x="281354" y="2307101"/>
-            <a:chExt cx="1519311" cy="787791"/>
-          </a:xfrm>
-        </p:grpSpPr>
-        <p:sp>
-          <p:nvSpPr>
-            <p:cNvPr id="41" name="Rectangle 40">
-              <a:extLst>
-                <a:ext uri="{FF2B5EF4-FFF2-40B4-BE49-F238E27FC236}">
-                  <a16:creationId xmlns:a16="http://schemas.microsoft.com/office/drawing/2014/main" id="{78F90217-9F49-4301-B86C-77BF5ABFD931}"/>
-                </a:ext>
-              </a:extLst>
-            </p:cNvPr>
-            <p:cNvSpPr/>
-            <p:nvPr/>
-          </p:nvSpPr>
-          <p:spPr>
-            <a:xfrm>
-              <a:off x="281354" y="2307101"/>
-              <a:ext cx="1519311" cy="787791"/>
-            </a:xfrm>
-            <a:prstGeom prst="rect">
-              <a:avLst/>
-            </a:prstGeom>
-            <a:noFill/>
-            <a:ln w="22225">
-              <a:solidFill>
-                <a:schemeClr val="tx1"/>
-              </a:solidFill>
-            </a:ln>
-          </p:spPr>
-          <p:style>
-            <a:lnRef idx="2">
-              <a:schemeClr val="accent1">
-                <a:shade val="50000"/>
-              </a:schemeClr>
-            </a:lnRef>
-            <a:fillRef idx="1">
-              <a:schemeClr val="accent1"/>
-            </a:fillRef>
-            <a:effectRef idx="0">
-              <a:schemeClr val="accent1"/>
-            </a:effectRef>
-            <a:fontRef idx="minor">
-              <a:schemeClr val="lt1"/>
-            </a:fontRef>
-          </p:style>
-          <p:txBody>
-            <a:bodyPr rtlCol="0" anchor="ctr"/>
-            <a:lstStyle/>
-            <a:p>
-              <a:pPr algn="ctr"/>
-              <a:endParaRPr lang="en-US" dirty="0"/>
-            </a:p>
-          </p:txBody>
-        </p:sp>
-        <p:sp>
-          <p:nvSpPr>
-            <p:cNvPr id="42" name="TextBox 41">
-              <a:extLst>
-                <a:ext uri="{FF2B5EF4-FFF2-40B4-BE49-F238E27FC236}">
-                  <a16:creationId xmlns:a16="http://schemas.microsoft.com/office/drawing/2014/main" id="{4C471AAA-DEFB-4581-940E-958EAEE7D536}"/>
-                </a:ext>
-              </a:extLst>
-            </p:cNvPr>
-            <p:cNvSpPr txBox="1"/>
-            <p:nvPr/>
-          </p:nvSpPr>
-          <p:spPr>
-            <a:xfrm>
-              <a:off x="457200" y="2516330"/>
-              <a:ext cx="1167618" cy="369332"/>
-            </a:xfrm>
-            <a:prstGeom prst="rect">
-              <a:avLst/>
-            </a:prstGeom>
-            <a:noFill/>
-          </p:spPr>
-          <p:txBody>
-            <a:bodyPr wrap="square" rtlCol="0">
-              <a:spAutoFit/>
-            </a:bodyPr>
-            <a:lstStyle/>
-            <a:p>
-              <a:pPr algn="ctr"/>
-              <a:r>
-                <a:rPr lang="en-US" dirty="0" smtClean="0"/>
-                <a:t>Sink</a:t>
-              </a:r>
-              <a:endParaRPr lang="en-US" dirty="0"/>
-            </a:p>
-          </p:txBody>
-        </p:sp>
-      </p:grpSp>
       <p:cxnSp>
         <p:nvCxnSpPr>
           <p:cNvPr id="3" name="Straight Arrow Connector 2"/>
           <p:cNvCxnSpPr>
-            <a:stCxn id="10" idx="2"/>
-            <a:endCxn id="14" idx="0"/>
+            <a:cxnSpLocks/>
+            <a:stCxn id="52" idx="2"/>
+            <a:endCxn id="54" idx="0"/>
           </p:cNvCxnSpPr>
           <p:nvPr/>
         </p:nvCxnSpPr>
         <p:spPr>
           <a:xfrm flipH="1">
-            <a:off x="926827" y="3094890"/>
-            <a:ext cx="1" cy="369331"/>
+            <a:off x="1088672" y="3149524"/>
+            <a:ext cx="1" cy="329945"/>
           </a:xfrm>
           <a:prstGeom prst="straightConnector1">
             <a:avLst/>
@@ -4372,15 +3371,16 @@
         <p:nvCxnSpPr>
           <p:cNvPr id="43" name="Straight Arrow Connector 42"/>
           <p:cNvCxnSpPr>
-            <a:stCxn id="10" idx="3"/>
-            <a:endCxn id="17" idx="1"/>
+            <a:cxnSpLocks/>
+            <a:stCxn id="52" idx="3"/>
+            <a:endCxn id="56" idx="1"/>
           </p:cNvCxnSpPr>
           <p:nvPr/>
         </p:nvCxnSpPr>
         <p:spPr>
           <a:xfrm>
-            <a:off x="1686483" y="2700995"/>
-            <a:ext cx="552156" cy="0"/>
+            <a:off x="1794961" y="2693478"/>
+            <a:ext cx="456596" cy="3552"/>
           </a:xfrm>
           <a:prstGeom prst="straightConnector1">
             <a:avLst/>
@@ -4407,13 +3407,17 @@
       <p:cxnSp>
         <p:nvCxnSpPr>
           <p:cNvPr id="45" name="Straight Arrow Connector 44"/>
-          <p:cNvCxnSpPr/>
+          <p:cNvCxnSpPr>
+            <a:cxnSpLocks/>
+            <a:stCxn id="66" idx="3"/>
+            <a:endCxn id="69" idx="1"/>
+          </p:cNvCxnSpPr>
           <p:nvPr/>
         </p:nvCxnSpPr>
         <p:spPr>
           <a:xfrm>
-            <a:off x="5829418" y="2132043"/>
-            <a:ext cx="552156" cy="0"/>
+            <a:off x="5801285" y="2088187"/>
+            <a:ext cx="571263" cy="0"/>
           </a:xfrm>
           <a:prstGeom prst="straightConnector1">
             <a:avLst/>
@@ -4440,13 +3444,17 @@
       <p:cxnSp>
         <p:nvCxnSpPr>
           <p:cNvPr id="46" name="Straight Arrow Connector 45"/>
-          <p:cNvCxnSpPr/>
+          <p:cNvCxnSpPr>
+            <a:cxnSpLocks/>
+            <a:stCxn id="67" idx="3"/>
+            <a:endCxn id="70" idx="1"/>
+          </p:cNvCxnSpPr>
           <p:nvPr/>
         </p:nvCxnSpPr>
         <p:spPr>
           <a:xfrm>
-            <a:off x="5829418" y="3279555"/>
-            <a:ext cx="552156" cy="0"/>
+            <a:off x="5802921" y="3279554"/>
+            <a:ext cx="581239" cy="0"/>
           </a:xfrm>
           <a:prstGeom prst="straightConnector1">
             <a:avLst/>
@@ -4473,13 +3481,17 @@
       <p:cxnSp>
         <p:nvCxnSpPr>
           <p:cNvPr id="47" name="Straight Arrow Connector 46"/>
-          <p:cNvCxnSpPr/>
+          <p:cNvCxnSpPr>
+            <a:cxnSpLocks/>
+            <a:stCxn id="71" idx="3"/>
+            <a:endCxn id="73" idx="1"/>
+          </p:cNvCxnSpPr>
           <p:nvPr/>
         </p:nvCxnSpPr>
         <p:spPr>
           <a:xfrm>
-            <a:off x="9973525" y="2700993"/>
-            <a:ext cx="552156" cy="0"/>
+            <a:off x="9973525" y="2697029"/>
+            <a:ext cx="550984" cy="0"/>
           </a:xfrm>
           <a:prstGeom prst="straightConnector1">
             <a:avLst/>
@@ -4507,14 +3519,15 @@
         <p:nvCxnSpPr>
           <p:cNvPr id="49" name="Elbow Connector 48"/>
           <p:cNvCxnSpPr>
-            <a:endCxn id="23" idx="1"/>
+            <a:cxnSpLocks/>
+            <a:endCxn id="67" idx="1"/>
           </p:cNvCxnSpPr>
           <p:nvPr/>
         </p:nvCxnSpPr>
         <p:spPr>
           <a:xfrm>
-            <a:off x="3744586" y="2885660"/>
-            <a:ext cx="564348" cy="393896"/>
+            <a:off x="3737085" y="2884170"/>
+            <a:ext cx="567922" cy="395384"/>
           </a:xfrm>
           <a:prstGeom prst="bentConnector3">
             <a:avLst/>
@@ -4542,14 +3555,15 @@
         <p:nvCxnSpPr>
           <p:cNvPr id="51" name="Elbow Connector 50"/>
           <p:cNvCxnSpPr>
-            <a:endCxn id="20" idx="1"/>
+            <a:cxnSpLocks/>
+            <a:endCxn id="66" idx="1"/>
           </p:cNvCxnSpPr>
           <p:nvPr/>
         </p:nvCxnSpPr>
         <p:spPr>
           <a:xfrm flipV="1">
-            <a:off x="3777410" y="2122433"/>
-            <a:ext cx="531524" cy="410297"/>
+            <a:off x="3716806" y="2088187"/>
+            <a:ext cx="591906" cy="405864"/>
           </a:xfrm>
           <a:prstGeom prst="bentConnector3">
             <a:avLst/>
@@ -4576,13 +3590,16 @@
       <p:cxnSp>
         <p:nvCxnSpPr>
           <p:cNvPr id="53" name="Elbow Connector 52"/>
-          <p:cNvCxnSpPr/>
+          <p:cNvCxnSpPr>
+            <a:cxnSpLocks/>
+            <a:stCxn id="70" idx="3"/>
+          </p:cNvCxnSpPr>
           <p:nvPr/>
         </p:nvCxnSpPr>
         <p:spPr>
           <a:xfrm flipV="1">
-            <a:off x="7895376" y="2902062"/>
-            <a:ext cx="555321" cy="377492"/>
+            <a:off x="7876733" y="2884170"/>
+            <a:ext cx="604219" cy="395384"/>
           </a:xfrm>
           <a:prstGeom prst="bentConnector3">
             <a:avLst/>
@@ -4609,13 +3626,16 @@
       <p:cxnSp>
         <p:nvCxnSpPr>
           <p:cNvPr id="55" name="Elbow Connector 54"/>
-          <p:cNvCxnSpPr/>
+          <p:cNvCxnSpPr>
+            <a:cxnSpLocks/>
+            <a:stCxn id="69" idx="3"/>
+          </p:cNvCxnSpPr>
           <p:nvPr/>
         </p:nvCxnSpPr>
         <p:spPr>
           <a:xfrm>
-            <a:off x="7895376" y="2122433"/>
-            <a:ext cx="555321" cy="410297"/>
+            <a:off x="7865121" y="2088187"/>
+            <a:ext cx="614195" cy="438043"/>
           </a:xfrm>
           <a:prstGeom prst="bentConnector3">
             <a:avLst/>
@@ -4653,8 +3673,8 @@
         </p:nvSpPr>
         <p:spPr>
           <a:xfrm>
-            <a:off x="1378752" y="2390442"/>
-            <a:ext cx="1167618" cy="369332"/>
+            <a:off x="1384625" y="2287413"/>
+            <a:ext cx="1167618" cy="338554"/>
           </a:xfrm>
           <a:prstGeom prst="rect">
             <a:avLst/>
@@ -4669,10 +3689,14 @@
           <a:p>
             <a:pPr algn="ctr"/>
             <a:r>
-              <a:rPr lang="en-US" dirty="0" smtClean="0"/>
+              <a:rPr lang="en-US" sz="1600" dirty="0">
+                <a:latin typeface="Calibri (corpo)"/>
+              </a:rPr>
               <a:t>S1</a:t>
             </a:r>
-            <a:endParaRPr lang="en-US" dirty="0"/>
+            <a:endParaRPr lang="en-US" dirty="0">
+              <a:latin typeface="Calibri (corpo)"/>
+            </a:endParaRPr>
           </a:p>
         </p:txBody>
       </p:sp>
@@ -4691,7 +3715,7 @@
         <p:spPr>
           <a:xfrm>
             <a:off x="3448461" y="1769503"/>
-            <a:ext cx="1167618" cy="369332"/>
+            <a:ext cx="1167618" cy="338554"/>
           </a:xfrm>
           <a:prstGeom prst="rect">
             <a:avLst/>
@@ -4706,7 +3730,7 @@
           <a:p>
             <a:pPr algn="ctr"/>
             <a:r>
-              <a:rPr lang="en-US" dirty="0" smtClean="0"/>
+              <a:rPr lang="en-US" sz="1600" dirty="0"/>
               <a:t>S2</a:t>
             </a:r>
             <a:endParaRPr lang="en-US" dirty="0"/>
@@ -4728,7 +3752,7 @@
         <p:spPr>
           <a:xfrm>
             <a:off x="3448461" y="3336102"/>
-            <a:ext cx="1167618" cy="369332"/>
+            <a:ext cx="1167618" cy="338554"/>
           </a:xfrm>
           <a:prstGeom prst="rect">
             <a:avLst/>
@@ -4743,7 +3767,7 @@
           <a:p>
             <a:pPr algn="ctr"/>
             <a:r>
-              <a:rPr lang="en-US" dirty="0" smtClean="0"/>
+              <a:rPr lang="en-US" sz="1600" dirty="0"/>
               <a:t>S3</a:t>
             </a:r>
             <a:endParaRPr lang="en-US" dirty="0"/>
@@ -4764,8 +3788,8 @@
         </p:nvSpPr>
         <p:spPr>
           <a:xfrm>
-            <a:off x="5526763" y="1753098"/>
-            <a:ext cx="1167618" cy="369332"/>
+            <a:off x="5871499" y="1714983"/>
+            <a:ext cx="430834" cy="338554"/>
           </a:xfrm>
           <a:prstGeom prst="rect">
             <a:avLst/>
@@ -4780,10 +3804,9 @@
           <a:p>
             <a:pPr algn="ctr"/>
             <a:r>
-              <a:rPr lang="en-US" dirty="0" smtClean="0"/>
+              <a:rPr lang="en-US" sz="1600" dirty="0"/>
               <a:t>S4</a:t>
             </a:r>
-            <a:endParaRPr lang="en-US" dirty="0"/>
           </a:p>
         </p:txBody>
       </p:sp>
@@ -4801,8 +3824,8 @@
         </p:nvSpPr>
         <p:spPr>
           <a:xfrm>
-            <a:off x="5519342" y="3314206"/>
-            <a:ext cx="1167618" cy="369332"/>
+            <a:off x="5881261" y="3295958"/>
+            <a:ext cx="411309" cy="338554"/>
           </a:xfrm>
           <a:prstGeom prst="rect">
             <a:avLst/>
@@ -4817,10 +3840,9 @@
           <a:p>
             <a:pPr algn="ctr"/>
             <a:r>
-              <a:rPr lang="en-US" dirty="0" smtClean="0"/>
+              <a:rPr lang="en-US" sz="1600" dirty="0"/>
               <a:t>S5</a:t>
             </a:r>
-            <a:endParaRPr lang="en-US" dirty="0"/>
           </a:p>
         </p:txBody>
       </p:sp>
@@ -4839,7 +3861,7 @@
         <p:spPr>
           <a:xfrm>
             <a:off x="7589227" y="1743014"/>
-            <a:ext cx="1167618" cy="369332"/>
+            <a:ext cx="1167618" cy="338554"/>
           </a:xfrm>
           <a:prstGeom prst="rect">
             <a:avLst/>
@@ -4854,7 +3876,7 @@
           <a:p>
             <a:pPr algn="ctr"/>
             <a:r>
-              <a:rPr lang="en-US" dirty="0" smtClean="0"/>
+              <a:rPr lang="en-US" sz="1600" dirty="0"/>
               <a:t>S6</a:t>
             </a:r>
             <a:endParaRPr lang="en-US" dirty="0"/>
@@ -4876,7 +3898,7 @@
         <p:spPr>
           <a:xfrm>
             <a:off x="7589227" y="3295958"/>
-            <a:ext cx="1167618" cy="369332"/>
+            <a:ext cx="1167618" cy="338554"/>
           </a:xfrm>
           <a:prstGeom prst="rect">
             <a:avLst/>
@@ -4891,7 +3913,7 @@
           <a:p>
             <a:pPr algn="ctr"/>
             <a:r>
-              <a:rPr lang="en-US" dirty="0" smtClean="0"/>
+              <a:rPr lang="en-US" sz="1600" dirty="0"/>
               <a:t>S7</a:t>
             </a:r>
             <a:endParaRPr lang="en-US" dirty="0"/>
@@ -4912,8 +3934,8 @@
         </p:nvSpPr>
         <p:spPr>
           <a:xfrm>
-            <a:off x="9665794" y="2390442"/>
-            <a:ext cx="1167618" cy="369332"/>
+            <a:off x="10026485" y="2356953"/>
+            <a:ext cx="391724" cy="338554"/>
           </a:xfrm>
           <a:prstGeom prst="rect">
             <a:avLst/>
@@ -4928,7 +3950,7 @@
           <a:p>
             <a:pPr algn="ctr"/>
             <a:r>
-              <a:rPr lang="en-US" dirty="0" smtClean="0"/>
+              <a:rPr lang="en-US" sz="1600" dirty="0"/>
               <a:t>S8</a:t>
             </a:r>
             <a:endParaRPr lang="en-US" dirty="0"/>
@@ -4949,8 +3971,8 @@
         </p:nvSpPr>
         <p:spPr>
           <a:xfrm>
-            <a:off x="163654" y="3100892"/>
-            <a:ext cx="1167618" cy="369332"/>
+            <a:off x="480469" y="3166825"/>
+            <a:ext cx="461239" cy="338554"/>
           </a:xfrm>
           <a:prstGeom prst="rect">
             <a:avLst/>
@@ -4965,10 +3987,496 @@
           <a:p>
             <a:pPr algn="ctr"/>
             <a:r>
-              <a:rPr lang="en-US" dirty="0" smtClean="0"/>
+              <a:rPr lang="en-US" sz="1600" dirty="0">
+                <a:latin typeface="Calibri (corpo)"/>
+              </a:rPr>
               <a:t>S9</a:t>
             </a:r>
-            <a:endParaRPr lang="en-US" dirty="0"/>
+          </a:p>
+        </p:txBody>
+      </p:sp>
+      <p:sp>
+        <p:nvSpPr>
+          <p:cNvPr id="52" name="Rounded Rectangle 3">
+            <a:extLst>
+              <a:ext uri="{FF2B5EF4-FFF2-40B4-BE49-F238E27FC236}">
+                <a16:creationId xmlns:a16="http://schemas.microsoft.com/office/drawing/2014/main" id="{823AE223-518F-4726-BDF0-DE3F4653EC12}"/>
+              </a:ext>
+            </a:extLst>
+          </p:cNvPr>
+          <p:cNvSpPr/>
+          <p:nvPr/>
+        </p:nvSpPr>
+        <p:spPr>
+          <a:xfrm>
+            <a:off x="382384" y="2237432"/>
+            <a:ext cx="1412577" cy="912092"/>
+          </a:xfrm>
+          <a:prstGeom prst="roundRect">
+            <a:avLst/>
+          </a:prstGeom>
+        </p:spPr>
+        <p:style>
+          <a:lnRef idx="2">
+            <a:schemeClr val="dk1"/>
+          </a:lnRef>
+          <a:fillRef idx="1">
+            <a:schemeClr val="lt1"/>
+          </a:fillRef>
+          <a:effectRef idx="0">
+            <a:schemeClr val="dk1"/>
+          </a:effectRef>
+          <a:fontRef idx="minor">
+            <a:schemeClr val="dk1"/>
+          </a:fontRef>
+        </p:style>
+        <p:txBody>
+          <a:bodyPr rot="0" spcFirstLastPara="0" vertOverflow="overflow" horzOverflow="overflow" vert="horz" wrap="square" lIns="72009" tIns="36005" rIns="72009" bIns="36005" numCol="1" spcCol="0" rtlCol="0" fromWordArt="0" anchor="ctr" anchorCtr="0" forceAA="0" compatLnSpc="1">
+            <a:prstTxWarp prst="textNoShape">
+              <a:avLst/>
+            </a:prstTxWarp>
+            <a:noAutofit/>
+          </a:bodyPr>
+          <a:lstStyle/>
+          <a:p>
+            <a:pPr algn="ctr"/>
+            <a:r>
+              <a:rPr lang="pt-PT" sz="1418" dirty="0" err="1"/>
+              <a:t>Binary</a:t>
+            </a:r>
+            <a:r>
+              <a:rPr lang="pt-PT" sz="1418" dirty="0"/>
+              <a:t> </a:t>
+            </a:r>
+            <a:r>
+              <a:rPr lang="pt-PT" sz="1418" dirty="0" err="1"/>
+              <a:t>Source</a:t>
+            </a:r>
+            <a:endParaRPr lang="pt-PT" sz="1418" dirty="0"/>
+          </a:p>
+        </p:txBody>
+      </p:sp>
+      <p:sp>
+        <p:nvSpPr>
+          <p:cNvPr id="54" name="Rounded Rectangle 3">
+            <a:extLst>
+              <a:ext uri="{FF2B5EF4-FFF2-40B4-BE49-F238E27FC236}">
+                <a16:creationId xmlns:a16="http://schemas.microsoft.com/office/drawing/2014/main" id="{144F874E-88B9-4D54-8092-FEC683EDCC9C}"/>
+              </a:ext>
+            </a:extLst>
+          </p:cNvPr>
+          <p:cNvSpPr/>
+          <p:nvPr/>
+        </p:nvSpPr>
+        <p:spPr>
+          <a:xfrm>
+            <a:off x="382383" y="3479469"/>
+            <a:ext cx="1412577" cy="809199"/>
+          </a:xfrm>
+          <a:prstGeom prst="roundRect">
+            <a:avLst/>
+          </a:prstGeom>
+        </p:spPr>
+        <p:style>
+          <a:lnRef idx="2">
+            <a:schemeClr val="dk1"/>
+          </a:lnRef>
+          <a:fillRef idx="1">
+            <a:schemeClr val="lt1"/>
+          </a:fillRef>
+          <a:effectRef idx="0">
+            <a:schemeClr val="dk1"/>
+          </a:effectRef>
+          <a:fontRef idx="minor">
+            <a:schemeClr val="dk1"/>
+          </a:fontRef>
+        </p:style>
+        <p:txBody>
+          <a:bodyPr rot="0" spcFirstLastPara="0" vertOverflow="overflow" horzOverflow="overflow" vert="horz" wrap="square" lIns="72009" tIns="36005" rIns="72009" bIns="36005" numCol="1" spcCol="0" rtlCol="0" fromWordArt="0" anchor="ctr" anchorCtr="0" forceAA="0" compatLnSpc="1">
+            <a:prstTxWarp prst="textNoShape">
+              <a:avLst/>
+            </a:prstTxWarp>
+            <a:noAutofit/>
+          </a:bodyPr>
+          <a:lstStyle/>
+          <a:p>
+            <a:pPr algn="ctr"/>
+            <a:r>
+              <a:rPr lang="pt-PT" sz="1418" dirty="0" err="1"/>
+              <a:t>Sink</a:t>
+            </a:r>
+            <a:endParaRPr lang="pt-PT" sz="1418" dirty="0"/>
+          </a:p>
+        </p:txBody>
+      </p:sp>
+      <p:sp>
+        <p:nvSpPr>
+          <p:cNvPr id="56" name="Rounded Rectangle 3">
+            <a:extLst>
+              <a:ext uri="{FF2B5EF4-FFF2-40B4-BE49-F238E27FC236}">
+                <a16:creationId xmlns:a16="http://schemas.microsoft.com/office/drawing/2014/main" id="{81A06AC7-366D-4DA7-B01B-1974A8D6AE0D}"/>
+              </a:ext>
+            </a:extLst>
+          </p:cNvPr>
+          <p:cNvSpPr/>
+          <p:nvPr/>
+        </p:nvSpPr>
+        <p:spPr>
+          <a:xfrm>
+            <a:off x="2251557" y="2206701"/>
+            <a:ext cx="1478724" cy="980657"/>
+          </a:xfrm>
+          <a:prstGeom prst="roundRect">
+            <a:avLst/>
+          </a:prstGeom>
+        </p:spPr>
+        <p:style>
+          <a:lnRef idx="2">
+            <a:schemeClr val="dk1"/>
+          </a:lnRef>
+          <a:fillRef idx="1">
+            <a:schemeClr val="lt1"/>
+          </a:fillRef>
+          <a:effectRef idx="0">
+            <a:schemeClr val="dk1"/>
+          </a:effectRef>
+          <a:fontRef idx="minor">
+            <a:schemeClr val="dk1"/>
+          </a:fontRef>
+        </p:style>
+        <p:txBody>
+          <a:bodyPr rot="0" spcFirstLastPara="0" vertOverflow="overflow" horzOverflow="overflow" vert="horz" wrap="square" lIns="72009" tIns="36005" rIns="72009" bIns="36005" numCol="1" spcCol="0" rtlCol="0" fromWordArt="0" anchor="ctr" anchorCtr="0" forceAA="0" compatLnSpc="1">
+            <a:prstTxWarp prst="textNoShape">
+              <a:avLst/>
+            </a:prstTxWarp>
+            <a:noAutofit/>
+          </a:bodyPr>
+          <a:lstStyle/>
+          <a:p>
+            <a:pPr algn="ctr"/>
+            <a:r>
+              <a:rPr lang="en-GB" sz="1418" dirty="0"/>
+              <a:t>MQAM Mapper</a:t>
+            </a:r>
+            <a:endParaRPr lang="pt-PT" sz="1418" dirty="0"/>
+          </a:p>
+        </p:txBody>
+      </p:sp>
+      <p:sp>
+        <p:nvSpPr>
+          <p:cNvPr id="66" name="Rounded Rectangle 3">
+            <a:extLst>
+              <a:ext uri="{FF2B5EF4-FFF2-40B4-BE49-F238E27FC236}">
+                <a16:creationId xmlns:a16="http://schemas.microsoft.com/office/drawing/2014/main" id="{028B9246-32B8-4AEF-BDAC-9BF17D845529}"/>
+              </a:ext>
+            </a:extLst>
+          </p:cNvPr>
+          <p:cNvSpPr/>
+          <p:nvPr/>
+        </p:nvSpPr>
+        <p:spPr>
+          <a:xfrm>
+            <a:off x="4308712" y="1612009"/>
+            <a:ext cx="1492573" cy="952356"/>
+          </a:xfrm>
+          <a:prstGeom prst="roundRect">
+            <a:avLst/>
+          </a:prstGeom>
+        </p:spPr>
+        <p:style>
+          <a:lnRef idx="2">
+            <a:schemeClr val="dk1"/>
+          </a:lnRef>
+          <a:fillRef idx="1">
+            <a:schemeClr val="lt1"/>
+          </a:fillRef>
+          <a:effectRef idx="0">
+            <a:schemeClr val="dk1"/>
+          </a:effectRef>
+          <a:fontRef idx="minor">
+            <a:schemeClr val="dk1"/>
+          </a:fontRef>
+        </p:style>
+        <p:txBody>
+          <a:bodyPr rot="0" spcFirstLastPara="0" vertOverflow="overflow" horzOverflow="overflow" vert="horz" wrap="square" lIns="72009" tIns="36005" rIns="72009" bIns="36005" numCol="1" spcCol="0" rtlCol="0" fromWordArt="0" anchor="ctr" anchorCtr="0" forceAA="0" compatLnSpc="1">
+            <a:prstTxWarp prst="textNoShape">
+              <a:avLst/>
+            </a:prstTxWarp>
+            <a:noAutofit/>
+          </a:bodyPr>
+          <a:lstStyle/>
+          <a:p>
+            <a:pPr algn="ctr"/>
+            <a:r>
+              <a:rPr lang="en-GB" sz="1418" dirty="0"/>
+              <a:t>Discrete to Continuous Time</a:t>
+            </a:r>
+            <a:endParaRPr lang="pt-PT" sz="1418" dirty="0"/>
+          </a:p>
+        </p:txBody>
+      </p:sp>
+      <p:sp>
+        <p:nvSpPr>
+          <p:cNvPr id="67" name="Rounded Rectangle 3">
+            <a:extLst>
+              <a:ext uri="{FF2B5EF4-FFF2-40B4-BE49-F238E27FC236}">
+                <a16:creationId xmlns:a16="http://schemas.microsoft.com/office/drawing/2014/main" id="{FD86CAE3-8362-4688-8850-8A9731DBE529}"/>
+              </a:ext>
+            </a:extLst>
+          </p:cNvPr>
+          <p:cNvSpPr/>
+          <p:nvPr/>
+        </p:nvSpPr>
+        <p:spPr>
+          <a:xfrm>
+            <a:off x="4305007" y="2803376"/>
+            <a:ext cx="1497914" cy="952356"/>
+          </a:xfrm>
+          <a:prstGeom prst="roundRect">
+            <a:avLst/>
+          </a:prstGeom>
+        </p:spPr>
+        <p:style>
+          <a:lnRef idx="2">
+            <a:schemeClr val="dk1"/>
+          </a:lnRef>
+          <a:fillRef idx="1">
+            <a:schemeClr val="lt1"/>
+          </a:fillRef>
+          <a:effectRef idx="0">
+            <a:schemeClr val="dk1"/>
+          </a:effectRef>
+          <a:fontRef idx="minor">
+            <a:schemeClr val="dk1"/>
+          </a:fontRef>
+        </p:style>
+        <p:txBody>
+          <a:bodyPr rot="0" spcFirstLastPara="0" vertOverflow="overflow" horzOverflow="overflow" vert="horz" wrap="square" lIns="72009" tIns="36005" rIns="72009" bIns="36005" numCol="1" spcCol="0" rtlCol="0" fromWordArt="0" anchor="ctr" anchorCtr="0" forceAA="0" compatLnSpc="1">
+            <a:prstTxWarp prst="textNoShape">
+              <a:avLst/>
+            </a:prstTxWarp>
+            <a:noAutofit/>
+          </a:bodyPr>
+          <a:lstStyle/>
+          <a:p>
+            <a:pPr algn="ctr"/>
+            <a:r>
+              <a:rPr lang="en-GB" sz="1418" dirty="0"/>
+              <a:t>Discrete to Continuous Time</a:t>
+            </a:r>
+            <a:endParaRPr lang="pt-PT" sz="1418" dirty="0"/>
+          </a:p>
+        </p:txBody>
+      </p:sp>
+      <p:sp>
+        <p:nvSpPr>
+          <p:cNvPr id="69" name="Rounded Rectangle 3">
+            <a:extLst>
+              <a:ext uri="{FF2B5EF4-FFF2-40B4-BE49-F238E27FC236}">
+                <a16:creationId xmlns:a16="http://schemas.microsoft.com/office/drawing/2014/main" id="{33A1EFE8-0FBA-483B-B71D-D1A65A7A82C5}"/>
+              </a:ext>
+            </a:extLst>
+          </p:cNvPr>
+          <p:cNvSpPr/>
+          <p:nvPr/>
+        </p:nvSpPr>
+        <p:spPr>
+          <a:xfrm>
+            <a:off x="6372548" y="1612009"/>
+            <a:ext cx="1492573" cy="952356"/>
+          </a:xfrm>
+          <a:prstGeom prst="roundRect">
+            <a:avLst/>
+          </a:prstGeom>
+        </p:spPr>
+        <p:style>
+          <a:lnRef idx="2">
+            <a:schemeClr val="dk1"/>
+          </a:lnRef>
+          <a:fillRef idx="1">
+            <a:schemeClr val="lt1"/>
+          </a:fillRef>
+          <a:effectRef idx="0">
+            <a:schemeClr val="dk1"/>
+          </a:effectRef>
+          <a:fontRef idx="minor">
+            <a:schemeClr val="dk1"/>
+          </a:fontRef>
+        </p:style>
+        <p:txBody>
+          <a:bodyPr rot="0" spcFirstLastPara="0" vertOverflow="overflow" horzOverflow="overflow" vert="horz" wrap="square" lIns="72009" tIns="36005" rIns="72009" bIns="36005" numCol="1" spcCol="0" rtlCol="0" fromWordArt="0" anchor="ctr" anchorCtr="0" forceAA="0" compatLnSpc="1">
+            <a:prstTxWarp prst="textNoShape">
+              <a:avLst/>
+            </a:prstTxWarp>
+            <a:noAutofit/>
+          </a:bodyPr>
+          <a:lstStyle/>
+          <a:p>
+            <a:pPr algn="ctr"/>
+            <a:r>
+              <a:rPr lang="en-GB" sz="1418" dirty="0"/>
+              <a:t>Pulse Shaper</a:t>
+            </a:r>
+            <a:endParaRPr lang="pt-PT" sz="1418" dirty="0"/>
+          </a:p>
+        </p:txBody>
+      </p:sp>
+      <p:sp>
+        <p:nvSpPr>
+          <p:cNvPr id="70" name="Rounded Rectangle 3">
+            <a:extLst>
+              <a:ext uri="{FF2B5EF4-FFF2-40B4-BE49-F238E27FC236}">
+                <a16:creationId xmlns:a16="http://schemas.microsoft.com/office/drawing/2014/main" id="{64662A6F-00B3-4E89-89F5-57B1A240179B}"/>
+              </a:ext>
+            </a:extLst>
+          </p:cNvPr>
+          <p:cNvSpPr/>
+          <p:nvPr/>
+        </p:nvSpPr>
+        <p:spPr>
+          <a:xfrm>
+            <a:off x="6384160" y="2803376"/>
+            <a:ext cx="1492573" cy="952356"/>
+          </a:xfrm>
+          <a:prstGeom prst="roundRect">
+            <a:avLst/>
+          </a:prstGeom>
+        </p:spPr>
+        <p:style>
+          <a:lnRef idx="2">
+            <a:schemeClr val="dk1"/>
+          </a:lnRef>
+          <a:fillRef idx="1">
+            <a:schemeClr val="lt1"/>
+          </a:fillRef>
+          <a:effectRef idx="0">
+            <a:schemeClr val="dk1"/>
+          </a:effectRef>
+          <a:fontRef idx="minor">
+            <a:schemeClr val="dk1"/>
+          </a:fontRef>
+        </p:style>
+        <p:txBody>
+          <a:bodyPr rot="0" spcFirstLastPara="0" vertOverflow="overflow" horzOverflow="overflow" vert="horz" wrap="square" lIns="72009" tIns="36005" rIns="72009" bIns="36005" numCol="1" spcCol="0" rtlCol="0" fromWordArt="0" anchor="ctr" anchorCtr="0" forceAA="0" compatLnSpc="1">
+            <a:prstTxWarp prst="textNoShape">
+              <a:avLst/>
+            </a:prstTxWarp>
+            <a:noAutofit/>
+          </a:bodyPr>
+          <a:lstStyle/>
+          <a:p>
+            <a:pPr algn="ctr"/>
+            <a:r>
+              <a:rPr lang="en-GB" sz="1418" dirty="0"/>
+              <a:t>Pulse Shaper</a:t>
+            </a:r>
+            <a:endParaRPr lang="pt-PT" sz="1418" dirty="0"/>
+          </a:p>
+        </p:txBody>
+      </p:sp>
+      <p:sp>
+        <p:nvSpPr>
+          <p:cNvPr id="71" name="Rounded Rectangle 3">
+            <a:extLst>
+              <a:ext uri="{FF2B5EF4-FFF2-40B4-BE49-F238E27FC236}">
+                <a16:creationId xmlns:a16="http://schemas.microsoft.com/office/drawing/2014/main" id="{9D0C3649-8204-49D9-9A7D-2D31A450B66F}"/>
+              </a:ext>
+            </a:extLst>
+          </p:cNvPr>
+          <p:cNvSpPr/>
+          <p:nvPr/>
+        </p:nvSpPr>
+        <p:spPr>
+          <a:xfrm>
+            <a:off x="8480952" y="2220851"/>
+            <a:ext cx="1492573" cy="952356"/>
+          </a:xfrm>
+          <a:prstGeom prst="roundRect">
+            <a:avLst/>
+          </a:prstGeom>
+        </p:spPr>
+        <p:style>
+          <a:lnRef idx="2">
+            <a:schemeClr val="dk1"/>
+          </a:lnRef>
+          <a:fillRef idx="1">
+            <a:schemeClr val="lt1"/>
+          </a:fillRef>
+          <a:effectRef idx="0">
+            <a:schemeClr val="dk1"/>
+          </a:effectRef>
+          <a:fontRef idx="minor">
+            <a:schemeClr val="dk1"/>
+          </a:fontRef>
+        </p:style>
+        <p:txBody>
+          <a:bodyPr rot="0" spcFirstLastPara="0" vertOverflow="overflow" horzOverflow="overflow" vert="horz" wrap="square" lIns="72009" tIns="36005" rIns="72009" bIns="36005" numCol="1" spcCol="0" rtlCol="0" fromWordArt="0" anchor="ctr" anchorCtr="0" forceAA="0" compatLnSpc="1">
+            <a:prstTxWarp prst="textNoShape">
+              <a:avLst/>
+            </a:prstTxWarp>
+            <a:noAutofit/>
+          </a:bodyPr>
+          <a:lstStyle/>
+          <a:p>
+            <a:pPr algn="ctr"/>
+            <a:r>
+              <a:rPr lang="en-GB" sz="1418" dirty="0"/>
+              <a:t>IQ Modulator</a:t>
+            </a:r>
+            <a:endParaRPr lang="pt-PT" sz="1418" dirty="0"/>
+          </a:p>
+        </p:txBody>
+      </p:sp>
+      <p:sp>
+        <p:nvSpPr>
+          <p:cNvPr id="73" name="Rounded Rectangle 3">
+            <a:extLst>
+              <a:ext uri="{FF2B5EF4-FFF2-40B4-BE49-F238E27FC236}">
+                <a16:creationId xmlns:a16="http://schemas.microsoft.com/office/drawing/2014/main" id="{89E2181B-F919-452D-BF3C-B3C59240F02C}"/>
+              </a:ext>
+            </a:extLst>
+          </p:cNvPr>
+          <p:cNvSpPr/>
+          <p:nvPr/>
+        </p:nvSpPr>
+        <p:spPr>
+          <a:xfrm>
+            <a:off x="10524509" y="2292429"/>
+            <a:ext cx="1412577" cy="809199"/>
+          </a:xfrm>
+          <a:prstGeom prst="roundRect">
+            <a:avLst/>
+          </a:prstGeom>
+        </p:spPr>
+        <p:style>
+          <a:lnRef idx="2">
+            <a:schemeClr val="dk1"/>
+          </a:lnRef>
+          <a:fillRef idx="1">
+            <a:schemeClr val="lt1"/>
+          </a:fillRef>
+          <a:effectRef idx="0">
+            <a:schemeClr val="dk1"/>
+          </a:effectRef>
+          <a:fontRef idx="minor">
+            <a:schemeClr val="dk1"/>
+          </a:fontRef>
+        </p:style>
+        <p:txBody>
+          <a:bodyPr rot="0" spcFirstLastPara="0" vertOverflow="overflow" horzOverflow="overflow" vert="horz" wrap="square" lIns="72009" tIns="36005" rIns="72009" bIns="36005" numCol="1" spcCol="0" rtlCol="0" fromWordArt="0" anchor="ctr" anchorCtr="0" forceAA="0" compatLnSpc="1">
+            <a:prstTxWarp prst="textNoShape">
+              <a:avLst/>
+            </a:prstTxWarp>
+            <a:noAutofit/>
+          </a:bodyPr>
+          <a:lstStyle/>
+          <a:p>
+            <a:pPr algn="ctr"/>
+            <a:r>
+              <a:rPr lang="pt-PT" sz="1418" dirty="0" err="1"/>
+              <a:t>Sink</a:t>
+            </a:r>
+            <a:endParaRPr lang="pt-PT" sz="1418" dirty="0"/>
           </a:p>
         </p:txBody>
       </p:sp>
